--- a/PhD_Defense.pptx
+++ b/PhD_Defense.pptx
@@ -6,6 +6,7 @@
   </p:sldMasterIdLst>
   <p:sldIdLst>
     <p:sldId id="256" r:id="rId2"/>
+    <p:sldId id="257" r:id="rId3"/>
   </p:sldIdLst>
   <p:sldSz cx="12192000" cy="6858000"/>
   <p:notesSz cx="6858000" cy="9144000"/>
@@ -3364,10 +3365,18 @@
           <a:lstStyle/>
           <a:p>
             <a:r>
-              <a:rPr lang="en-US" dirty="0"/>
+              <a:rPr lang="en-US" b="1" dirty="0">
+                <a:solidFill>
+                  <a:srgbClr val="62003C"/>
+                </a:solidFill>
+              </a:rPr>
               <a:t>Methods for automatization of radiotherapy dosimetry.</a:t>
             </a:r>
-            <a:endParaRPr lang="en-GB" dirty="0"/>
+            <a:endParaRPr lang="en-GB" b="1" dirty="0">
+              <a:solidFill>
+                <a:srgbClr val="62003C"/>
+              </a:solidFill>
+            </a:endParaRPr>
           </a:p>
         </p:txBody>
       </p:sp>
@@ -3400,34 +3409,90 @@
           <a:lstStyle/>
           <a:p>
             <a:r>
-              <a:rPr lang="en-GB" i="1" dirty="0"/>
+              <a:rPr lang="en-GB" i="1" dirty="0">
+                <a:solidFill>
+                  <a:schemeClr val="tx1">
+                    <a:lumMod val="50000"/>
+                    <a:lumOff val="50000"/>
+                  </a:schemeClr>
+                </a:solidFill>
+              </a:rPr>
               <a:t>Paul Dubois</a:t>
             </a:r>
           </a:p>
           <a:p>
-            <a:endParaRPr lang="en-GB" i="1" dirty="0"/>
-          </a:p>
-          <a:p>
-            <a:r>
-              <a:rPr lang="en-GB" i="1" dirty="0"/>
+            <a:endParaRPr lang="en-GB" i="1" dirty="0">
+              <a:solidFill>
+                <a:schemeClr val="tx1">
+                  <a:lumMod val="50000"/>
+                  <a:lumOff val="50000"/>
+                </a:schemeClr>
+              </a:solidFill>
+            </a:endParaRPr>
+          </a:p>
+          <a:p>
+            <a:r>
+              <a:rPr lang="en-GB" i="1" dirty="0">
+                <a:solidFill>
+                  <a:schemeClr val="tx1">
+                    <a:lumMod val="50000"/>
+                    <a:lumOff val="50000"/>
+                  </a:schemeClr>
+                </a:solidFill>
+              </a:rPr>
               <a:t>Prof. Nikos </a:t>
             </a:r>
             <a:r>
-              <a:rPr lang="en-GB" i="1" dirty="0" err="1"/>
+              <a:rPr lang="en-GB" i="1" dirty="0" err="1">
+                <a:solidFill>
+                  <a:schemeClr val="tx1">
+                    <a:lumMod val="50000"/>
+                    <a:lumOff val="50000"/>
+                  </a:schemeClr>
+                </a:solidFill>
+              </a:rPr>
               <a:t>Paragios</a:t>
             </a:r>
-            <a:endParaRPr lang="en-GB" i="1" dirty="0"/>
-          </a:p>
-          <a:p>
-            <a:r>
-              <a:rPr lang="en-GB" i="1" dirty="0"/>
+            <a:endParaRPr lang="en-GB" i="1" dirty="0">
+              <a:solidFill>
+                <a:schemeClr val="tx1">
+                  <a:lumMod val="50000"/>
+                  <a:lumOff val="50000"/>
+                </a:schemeClr>
+              </a:solidFill>
+            </a:endParaRPr>
+          </a:p>
+          <a:p>
+            <a:r>
+              <a:rPr lang="en-GB" i="1" dirty="0">
+                <a:solidFill>
+                  <a:schemeClr val="tx1">
+                    <a:lumMod val="50000"/>
+                    <a:lumOff val="50000"/>
+                  </a:schemeClr>
+                </a:solidFill>
+              </a:rPr>
               <a:t>Prof. Paul-Henry </a:t>
             </a:r>
             <a:r>
-              <a:rPr lang="en-GB" i="1" dirty="0" err="1"/>
+              <a:rPr lang="en-GB" i="1" dirty="0" err="1">
+                <a:solidFill>
+                  <a:schemeClr val="tx1">
+                    <a:lumMod val="50000"/>
+                    <a:lumOff val="50000"/>
+                  </a:schemeClr>
+                </a:solidFill>
+              </a:rPr>
               <a:t>Cournède</a:t>
             </a:r>
-            <a:endParaRPr lang="en-GB" i="1" dirty="0"/>
+            <a:endParaRPr lang="en-GB" i="1" dirty="0">
+              <a:solidFill>
+                <a:schemeClr val="tx1">
+                  <a:lumMod val="50000"/>
+                  <a:lumOff val="50000"/>
+                </a:schemeClr>
+              </a:solidFill>
+            </a:endParaRPr>
           </a:p>
         </p:txBody>
       </p:sp>
@@ -3460,7 +3525,14 @@
           <a:lstStyle/>
           <a:p>
             <a:r>
-              <a:rPr lang="en-GB" sz="2400" i="1" dirty="0"/>
+              <a:rPr lang="en-GB" sz="2400" i="1" u="sng" dirty="0">
+                <a:solidFill>
+                  <a:schemeClr val="tx1">
+                    <a:lumMod val="50000"/>
+                    <a:lumOff val="50000"/>
+                  </a:schemeClr>
+                </a:solidFill>
+              </a:rPr>
               <a:t>Candidate:</a:t>
             </a:r>
           </a:p>
@@ -3495,7 +3567,14 @@
           <a:lstStyle/>
           <a:p>
             <a:r>
-              <a:rPr lang="en-GB" sz="2400" i="1" dirty="0"/>
+              <a:rPr lang="en-GB" sz="2400" i="1" u="sng" dirty="0">
+                <a:solidFill>
+                  <a:schemeClr val="tx1">
+                    <a:lumMod val="50000"/>
+                    <a:lumOff val="50000"/>
+                  </a:schemeClr>
+                </a:solidFill>
+              </a:rPr>
               <a:t>Directors:</a:t>
             </a:r>
           </a:p>
@@ -3724,6 +3803,185 @@
     <p:extLst>
       <p:ext uri="{BB962C8B-B14F-4D97-AF65-F5344CB8AC3E}">
         <p14:creationId xmlns:p14="http://schemas.microsoft.com/office/powerpoint/2010/main" val="4020336929"/>
+      </p:ext>
+    </p:extLst>
+  </p:cSld>
+  <p:clrMapOvr>
+    <a:masterClrMapping/>
+  </p:clrMapOvr>
+</p:sld>
+</file>
+
+<file path=ppt/slides/slide2.xml><?xml version="1.0" encoding="utf-8"?>
+<p:sld xmlns:a="http://schemas.openxmlformats.org/drawingml/2006/main" xmlns:r="http://schemas.openxmlformats.org/officeDocument/2006/relationships" xmlns:p="http://schemas.openxmlformats.org/presentationml/2006/main">
+  <p:cSld>
+    <p:spTree>
+      <p:nvGrpSpPr>
+        <p:cNvPr id="1" name=""/>
+        <p:cNvGrpSpPr/>
+        <p:nvPr/>
+      </p:nvGrpSpPr>
+      <p:grpSpPr>
+        <a:xfrm>
+          <a:off x="0" y="0"/>
+          <a:ext cx="0" cy="0"/>
+          <a:chOff x="0" y="0"/>
+          <a:chExt cx="0" cy="0"/>
+        </a:xfrm>
+      </p:grpSpPr>
+      <p:sp>
+        <p:nvSpPr>
+          <p:cNvPr id="2" name="Title 1">
+            <a:extLst>
+              <a:ext uri="{FF2B5EF4-FFF2-40B4-BE49-F238E27FC236}">
+                <a16:creationId xmlns:a16="http://schemas.microsoft.com/office/drawing/2014/main" id="{D0594EA8-C594-6AFC-17FD-595DF2B7DC62}"/>
+              </a:ext>
+            </a:extLst>
+          </p:cNvPr>
+          <p:cNvSpPr>
+            <a:spLocks noGrp="1"/>
+          </p:cNvSpPr>
+          <p:nvPr>
+            <p:ph type="title"/>
+          </p:nvPr>
+        </p:nvSpPr>
+        <p:spPr/>
+        <p:txBody>
+          <a:bodyPr/>
+          <a:lstStyle/>
+          <a:p>
+            <a:r>
+              <a:rPr lang="en-US" b="1" dirty="0">
+                <a:solidFill>
+                  <a:schemeClr val="tx1">
+                    <a:lumMod val="50000"/>
+                    <a:lumOff val="50000"/>
+                  </a:schemeClr>
+                </a:solidFill>
+              </a:rPr>
+              <a:t>Content</a:t>
+            </a:r>
+            <a:endParaRPr lang="en-GB" dirty="0">
+              <a:solidFill>
+                <a:schemeClr val="tx1">
+                  <a:lumMod val="50000"/>
+                  <a:lumOff val="50000"/>
+                </a:schemeClr>
+              </a:solidFill>
+            </a:endParaRPr>
+          </a:p>
+        </p:txBody>
+      </p:sp>
+      <p:sp>
+        <p:nvSpPr>
+          <p:cNvPr id="3" name="Content Placeholder 2">
+            <a:extLst>
+              <a:ext uri="{FF2B5EF4-FFF2-40B4-BE49-F238E27FC236}">
+                <a16:creationId xmlns:a16="http://schemas.microsoft.com/office/drawing/2014/main" id="{EA499E6E-D0F9-FEE9-F9F9-480B188AD44E}"/>
+              </a:ext>
+            </a:extLst>
+          </p:cNvPr>
+          <p:cNvSpPr>
+            <a:spLocks noGrp="1"/>
+          </p:cNvSpPr>
+          <p:nvPr>
+            <p:ph idx="1"/>
+          </p:nvPr>
+        </p:nvSpPr>
+        <p:spPr/>
+        <p:txBody>
+          <a:bodyPr/>
+          <a:lstStyle/>
+          <a:p>
+            <a:pPr marL="514350" indent="-514350">
+              <a:buFont typeface="+mj-lt"/>
+              <a:buAutoNum type="arabicPeriod"/>
+            </a:pPr>
+            <a:r>
+              <a:rPr lang="en-GB" dirty="0">
+                <a:solidFill>
+                  <a:srgbClr val="62003C"/>
+                </a:solidFill>
+              </a:rPr>
+              <a:t>Background &amp; Introduction</a:t>
+            </a:r>
+          </a:p>
+          <a:p>
+            <a:pPr marL="514350" indent="-514350">
+              <a:buFont typeface="+mj-lt"/>
+              <a:buAutoNum type="arabicPeriod"/>
+            </a:pPr>
+            <a:r>
+              <a:rPr lang="en-GB" dirty="0">
+                <a:solidFill>
+                  <a:srgbClr val="62003C"/>
+                </a:solidFill>
+              </a:rPr>
+              <a:t>Optimization for Dosimetry</a:t>
+            </a:r>
+          </a:p>
+          <a:p>
+            <a:pPr marL="514350" indent="-514350">
+              <a:buFont typeface="+mj-lt"/>
+              <a:buAutoNum type="arabicPeriod"/>
+            </a:pPr>
+            <a:r>
+              <a:rPr lang="en-GB" dirty="0">
+                <a:solidFill>
+                  <a:srgbClr val="62003C"/>
+                </a:solidFill>
+              </a:rPr>
+              <a:t>Network of Treatment Plans</a:t>
+            </a:r>
+          </a:p>
+          <a:p>
+            <a:pPr marL="514350" indent="-514350">
+              <a:buFont typeface="+mj-lt"/>
+              <a:buAutoNum type="arabicPeriod"/>
+            </a:pPr>
+            <a:r>
+              <a:rPr lang="en-GB" dirty="0">
+                <a:solidFill>
+                  <a:srgbClr val="62003C"/>
+                </a:solidFill>
+              </a:rPr>
+              <a:t>Classical Setting Automation</a:t>
+            </a:r>
+          </a:p>
+          <a:p>
+            <a:pPr marL="514350" indent="-514350">
+              <a:buFont typeface="+mj-lt"/>
+              <a:buAutoNum type="arabicPeriod"/>
+            </a:pPr>
+            <a:r>
+              <a:rPr lang="en-GB" dirty="0">
+                <a:solidFill>
+                  <a:srgbClr val="62003C"/>
+                </a:solidFill>
+              </a:rPr>
+              <a:t>Deep-dose Automation</a:t>
+            </a:r>
+          </a:p>
+          <a:p>
+            <a:pPr marL="514350" indent="-514350">
+              <a:buFont typeface="+mj-lt"/>
+              <a:buAutoNum type="arabicPeriod"/>
+            </a:pPr>
+            <a:r>
+              <a:rPr lang="en-GB" dirty="0">
+                <a:solidFill>
+                  <a:srgbClr val="62003C"/>
+                </a:solidFill>
+              </a:rPr>
+              <a:t>Conclusion</a:t>
+            </a:r>
+          </a:p>
+        </p:txBody>
+      </p:sp>
+    </p:spTree>
+    <p:extLst>
+      <p:ext uri="{BB962C8B-B14F-4D97-AF65-F5344CB8AC3E}">
+        <p14:creationId xmlns:p14="http://schemas.microsoft.com/office/powerpoint/2010/main" val="1758506247"/>
       </p:ext>
     </p:extLst>
   </p:cSld>
